--- a/documents/MidtermReport/preliminary draft/ 図形.pptx
+++ b/documents/MidtermReport/preliminary draft/ 図形.pptx
@@ -289,7 +289,7 @@
           <a:p>
             <a:fld id="{7A7E630B-B569-6947-8884-49FD9E3244B6}" type="datetimeFigureOut">
               <a:rPr kumimoji="1" lang="ja-JP" altLang="en-US" smtClean="0"/>
-              <a:t>2013/10/26</a:t>
+              <a:t>2013/10/27</a:t>
             </a:fld>
             <a:endParaRPr kumimoji="1" lang="ja-JP" altLang="en-US"/>
           </a:p>
@@ -491,7 +491,7 @@
           <a:p>
             <a:fld id="{7A7E630B-B569-6947-8884-49FD9E3244B6}" type="datetimeFigureOut">
               <a:rPr kumimoji="1" lang="ja-JP" altLang="en-US" smtClean="0"/>
-              <a:t>2013/10/26</a:t>
+              <a:t>2013/10/27</a:t>
             </a:fld>
             <a:endParaRPr kumimoji="1" lang="ja-JP" altLang="en-US"/>
           </a:p>
@@ -703,7 +703,7 @@
           <a:p>
             <a:fld id="{7A7E630B-B569-6947-8884-49FD9E3244B6}" type="datetimeFigureOut">
               <a:rPr kumimoji="1" lang="ja-JP" altLang="en-US" smtClean="0"/>
-              <a:t>2013/10/26</a:t>
+              <a:t>2013/10/27</a:t>
             </a:fld>
             <a:endParaRPr kumimoji="1" lang="ja-JP" altLang="en-US"/>
           </a:p>
@@ -905,7 +905,7 @@
           <a:p>
             <a:fld id="{7A7E630B-B569-6947-8884-49FD9E3244B6}" type="datetimeFigureOut">
               <a:rPr kumimoji="1" lang="ja-JP" altLang="en-US" smtClean="0"/>
-              <a:t>2013/10/26</a:t>
+              <a:t>2013/10/27</a:t>
             </a:fld>
             <a:endParaRPr kumimoji="1" lang="ja-JP" altLang="en-US"/>
           </a:p>
@@ -1151,7 +1151,7 @@
           <a:p>
             <a:fld id="{7A7E630B-B569-6947-8884-49FD9E3244B6}" type="datetimeFigureOut">
               <a:rPr kumimoji="1" lang="ja-JP" altLang="en-US" smtClean="0"/>
-              <a:t>2013/10/26</a:t>
+              <a:t>2013/10/27</a:t>
             </a:fld>
             <a:endParaRPr kumimoji="1" lang="ja-JP" altLang="en-US"/>
           </a:p>
@@ -1503,7 +1503,7 @@
           <a:p>
             <a:fld id="{7A7E630B-B569-6947-8884-49FD9E3244B6}" type="datetimeFigureOut">
               <a:rPr kumimoji="1" lang="ja-JP" altLang="en-US" smtClean="0"/>
-              <a:t>2013/10/26</a:t>
+              <a:t>2013/10/27</a:t>
             </a:fld>
             <a:endParaRPr kumimoji="1" lang="ja-JP" altLang="en-US"/>
           </a:p>
@@ -1989,7 +1989,7 @@
           <a:p>
             <a:fld id="{7A7E630B-B569-6947-8884-49FD9E3244B6}" type="datetimeFigureOut">
               <a:rPr kumimoji="1" lang="ja-JP" altLang="en-US" smtClean="0"/>
-              <a:t>2013/10/26</a:t>
+              <a:t>2013/10/27</a:t>
             </a:fld>
             <a:endParaRPr kumimoji="1" lang="ja-JP" altLang="en-US"/>
           </a:p>
@@ -2107,7 +2107,7 @@
           <a:p>
             <a:fld id="{7A7E630B-B569-6947-8884-49FD9E3244B6}" type="datetimeFigureOut">
               <a:rPr kumimoji="1" lang="ja-JP" altLang="en-US" smtClean="0"/>
-              <a:t>2013/10/26</a:t>
+              <a:t>2013/10/27</a:t>
             </a:fld>
             <a:endParaRPr kumimoji="1" lang="ja-JP" altLang="en-US"/>
           </a:p>
@@ -2202,7 +2202,7 @@
           <a:p>
             <a:fld id="{7A7E630B-B569-6947-8884-49FD9E3244B6}" type="datetimeFigureOut">
               <a:rPr kumimoji="1" lang="ja-JP" altLang="en-US" smtClean="0"/>
-              <a:t>2013/10/26</a:t>
+              <a:t>2013/10/27</a:t>
             </a:fld>
             <a:endParaRPr kumimoji="1" lang="ja-JP" altLang="en-US"/>
           </a:p>
@@ -2511,7 +2511,7 @@
           <a:p>
             <a:fld id="{7A7E630B-B569-6947-8884-49FD9E3244B6}" type="datetimeFigureOut">
               <a:rPr kumimoji="1" lang="ja-JP" altLang="en-US" smtClean="0"/>
-              <a:t>2013/10/26</a:t>
+              <a:t>2013/10/27</a:t>
             </a:fld>
             <a:endParaRPr kumimoji="1" lang="ja-JP" altLang="en-US"/>
           </a:p>
@@ -2764,7 +2764,7 @@
           <a:p>
             <a:fld id="{7A7E630B-B569-6947-8884-49FD9E3244B6}" type="datetimeFigureOut">
               <a:rPr kumimoji="1" lang="ja-JP" altLang="en-US" smtClean="0"/>
-              <a:t>2013/10/26</a:t>
+              <a:t>2013/10/27</a:t>
             </a:fld>
             <a:endParaRPr kumimoji="1" lang="ja-JP" altLang="en-US"/>
           </a:p>
@@ -3009,7 +3009,7 @@
           <a:p>
             <a:fld id="{7A7E630B-B569-6947-8884-49FD9E3244B6}" type="datetimeFigureOut">
               <a:rPr kumimoji="1" lang="ja-JP" altLang="en-US" smtClean="0"/>
-              <a:t>2013/10/26</a:t>
+              <a:t>2013/10/27</a:t>
             </a:fld>
             <a:endParaRPr kumimoji="1" lang="ja-JP" altLang="en-US"/>
           </a:p>
@@ -6315,10 +6315,10 @@
         </p:nvGrpSpPr>
         <p:grpSpPr>
           <a:xfrm>
-            <a:off x="846967" y="1821576"/>
-            <a:ext cx="6347171" cy="2581022"/>
-            <a:chOff x="846967" y="1821576"/>
-            <a:chExt cx="6347171" cy="2581022"/>
+            <a:off x="846969" y="1821576"/>
+            <a:ext cx="6347169" cy="2581022"/>
+            <a:chOff x="846969" y="1821576"/>
+            <a:chExt cx="6347169" cy="2581022"/>
           </a:xfrm>
         </p:grpSpPr>
         <p:grpSp>
@@ -6329,10 +6329,10 @@
           </p:nvGrpSpPr>
           <p:grpSpPr>
             <a:xfrm>
-              <a:off x="846967" y="2329130"/>
-              <a:ext cx="943490" cy="524976"/>
-              <a:chOff x="497539" y="2067796"/>
-              <a:chExt cx="1187359" cy="681544"/>
+              <a:off x="846969" y="2329131"/>
+              <a:ext cx="943487" cy="524977"/>
+              <a:chOff x="497541" y="2067796"/>
+              <a:chExt cx="1187355" cy="681545"/>
             </a:xfrm>
           </p:grpSpPr>
           <p:sp>
@@ -6388,8 +6388,8 @@
             </p:nvSpPr>
             <p:spPr>
               <a:xfrm>
-                <a:off x="497539" y="2070077"/>
-                <a:ext cx="1187359" cy="679263"/>
+                <a:off x="497541" y="2070077"/>
+                <a:ext cx="1187355" cy="679264"/>
               </a:xfrm>
               <a:prstGeom prst="rect">
                 <a:avLst/>
@@ -6411,8 +6411,12 @@
               </a:p>
               <a:p>
                 <a:r>
+                  <a:rPr lang="ja-JP" altLang="en-US" sz="1400" dirty="0" smtClean="0"/>
+                  <a:t>生成</a:t>
+                </a:r>
+                <a:r>
                   <a:rPr kumimoji="1" lang="ja-JP" altLang="en-US" sz="1400" dirty="0" smtClean="0"/>
-                  <a:t>発生器</a:t>
+                  <a:t>器</a:t>
                 </a:r>
                 <a:endParaRPr kumimoji="1" lang="ja-JP" altLang="en-US" sz="1400" dirty="0"/>
               </a:p>
